--- a/10 machine learn/AI.pptx
+++ b/10 machine learn/AI.pptx
@@ -31,50 +31,50 @@
   <p:notesSz cx="6858000" cy="9144000"/>
   <p:embeddedFontLst>
     <p:embeddedFont>
-      <p:font typeface="Roboto Light" panose="020B0604020202020204" charset="0"/>
+      <p:font typeface="Roboto" panose="020B0604020202020204" charset="0"/>
       <p:regular r:id="rId21"/>
       <p:bold r:id="rId22"/>
       <p:italic r:id="rId23"/>
       <p:boldItalic r:id="rId24"/>
     </p:embeddedFont>
     <p:embeddedFont>
-      <p:font typeface="Raleway Light" panose="020B0604020202020204" charset="0"/>
+      <p:font typeface="Roboto Light" panose="020B0604020202020204" charset="0"/>
       <p:regular r:id="rId25"/>
       <p:bold r:id="rId26"/>
       <p:italic r:id="rId27"/>
       <p:boldItalic r:id="rId28"/>
     </p:embeddedFont>
     <p:embeddedFont>
-      <p:font typeface="Helvetica Neue" panose="020B0604020202020204" charset="0"/>
+      <p:font typeface="Lato" panose="020B0604020202020204" charset="0"/>
       <p:regular r:id="rId29"/>
       <p:bold r:id="rId30"/>
       <p:italic r:id="rId31"/>
       <p:boldItalic r:id="rId32"/>
     </p:embeddedFont>
     <p:embeddedFont>
-      <p:font typeface="Lato" panose="020B0604020202020204" charset="0"/>
+      <p:font typeface="Calibri" panose="020F0502020204030204" pitchFamily="34" charset="0"/>
       <p:regular r:id="rId33"/>
       <p:bold r:id="rId34"/>
       <p:italic r:id="rId35"/>
       <p:boldItalic r:id="rId36"/>
     </p:embeddedFont>
     <p:embeddedFont>
-      <p:font typeface="Roboto" panose="020B0604020202020204" charset="0"/>
+      <p:font typeface="Helvetica Neue" panose="020B0604020202020204" charset="0"/>
       <p:regular r:id="rId37"/>
       <p:bold r:id="rId38"/>
       <p:italic r:id="rId39"/>
       <p:boldItalic r:id="rId40"/>
     </p:embeddedFont>
     <p:embeddedFont>
-      <p:font typeface="Lato Black" panose="020B0604020202020204" charset="0"/>
-      <p:bold r:id="rId41"/>
-      <p:boldItalic r:id="rId42"/>
+      <p:font typeface="Raleway Light" panose="020B0604020202020204" charset="0"/>
+      <p:regular r:id="rId41"/>
+      <p:bold r:id="rId42"/>
+      <p:italic r:id="rId43"/>
+      <p:boldItalic r:id="rId44"/>
     </p:embeddedFont>
     <p:embeddedFont>
-      <p:font typeface="Calibri" panose="020F0502020204030204" pitchFamily="34" charset="0"/>
-      <p:regular r:id="rId43"/>
-      <p:bold r:id="rId44"/>
-      <p:italic r:id="rId45"/>
+      <p:font typeface="Lato Black" panose="020B0604020202020204" charset="0"/>
+      <p:bold r:id="rId45"/>
       <p:boldItalic r:id="rId46"/>
     </p:embeddedFont>
   </p:embeddedFontLst>
@@ -26271,13 +26271,18 @@
               <a:t>Data </a:t>
             </a:r>
             <a:r>
-              <a:rPr lang="en-US" sz="1800" dirty="0">
+              <a:rPr lang="en-US" sz="1800" dirty="0" smtClean="0">
                 <a:solidFill>
                   <a:srgbClr val="004169"/>
                 </a:solidFill>
               </a:rPr>
               <a:t>Preprocessing</a:t>
             </a:r>
+            <a:endParaRPr lang="en-US" sz="1800" dirty="0">
+              <a:solidFill>
+                <a:srgbClr val="004169"/>
+              </a:solidFill>
+            </a:endParaRPr>
           </a:p>
           <a:p>
             <a:pPr marL="457200" lvl="0" indent="-342900">
@@ -26298,14 +26303,36 @@
               </a:rPr>
               <a:t>Classification</a:t>
             </a:r>
+            <a:endParaRPr lang="mn-MN" sz="1800" dirty="0" smtClean="0">
+              <a:solidFill>
+                <a:srgbClr val="004169"/>
+              </a:solidFill>
+            </a:endParaRPr>
+          </a:p>
+          <a:p>
+            <a:pPr marL="457200" lvl="0" indent="-342900">
+              <a:lnSpc>
+                <a:spcPct val="150000"/>
+              </a:lnSpc>
+              <a:buClr>
+                <a:srgbClr val="004169"/>
+              </a:buClr>
+              <a:buSzPts val="1800"/>
+              <a:buChar char="●"/>
+            </a:pPr>
             <a:r>
-              <a:rPr lang="en-US" sz="1800" dirty="0">
+              <a:rPr lang="en-US" sz="1800" dirty="0" smtClean="0">
                 <a:solidFill>
                   <a:srgbClr val="004169"/>
                 </a:solidFill>
               </a:rPr>
-              <a:t>, Decision Trees, Rules</a:t>
+              <a:t>Decision Trees</a:t>
             </a:r>
+            <a:endParaRPr lang="en-US" sz="1800" dirty="0">
+              <a:solidFill>
+                <a:srgbClr val="004169"/>
+              </a:solidFill>
+            </a:endParaRPr>
           </a:p>
           <a:p>
             <a:pPr marL="457200" lvl="0" indent="-342900">
@@ -26332,7 +26359,32 @@
                   <a:srgbClr val="004169"/>
                 </a:solidFill>
               </a:rPr>
-              <a:t>Bayes, Nearest Neighbors, ANN (start)</a:t>
+              <a:t>Bayes, Nearest Neighbors, </a:t>
+            </a:r>
+            <a:endParaRPr lang="mn-MN" sz="1800" dirty="0" smtClean="0">
+              <a:solidFill>
+                <a:srgbClr val="004169"/>
+              </a:solidFill>
+            </a:endParaRPr>
+          </a:p>
+          <a:p>
+            <a:pPr marL="457200" lvl="0" indent="-342900">
+              <a:lnSpc>
+                <a:spcPct val="150000"/>
+              </a:lnSpc>
+              <a:buClr>
+                <a:srgbClr val="004169"/>
+              </a:buClr>
+              <a:buSzPts val="1800"/>
+              <a:buChar char="●"/>
+            </a:pPr>
+            <a:r>
+              <a:rPr lang="en-US" sz="1800" dirty="0" smtClean="0">
+                <a:solidFill>
+                  <a:srgbClr val="004169"/>
+                </a:solidFill>
+              </a:rPr>
+              <a:t>ANN and Deep Learning</a:t>
             </a:r>
           </a:p>
           <a:p>
@@ -26352,43 +26404,7 @@
                   <a:srgbClr val="004169"/>
                 </a:solidFill>
               </a:rPr>
-              <a:t>ANN </a:t>
-            </a:r>
-            <a:r>
-              <a:rPr lang="en-US" sz="1800" dirty="0">
-                <a:solidFill>
-                  <a:srgbClr val="004169"/>
-                </a:solidFill>
-              </a:rPr>
-              <a:t>(rest) and Deep Learning</a:t>
-            </a:r>
-          </a:p>
-          <a:p>
-            <a:pPr marL="457200" lvl="0" indent="-342900">
-              <a:lnSpc>
-                <a:spcPct val="150000"/>
-              </a:lnSpc>
-              <a:buClr>
-                <a:srgbClr val="004169"/>
-              </a:buClr>
-              <a:buSzPts val="1800"/>
-              <a:buChar char="●"/>
-            </a:pPr>
-            <a:r>
-              <a:rPr lang="en-US" sz="1800" dirty="0" smtClean="0">
-                <a:solidFill>
-                  <a:srgbClr val="004169"/>
-                </a:solidFill>
-              </a:rPr>
-              <a:t>Clustering </a:t>
-            </a:r>
-            <a:r>
-              <a:rPr lang="en-US" sz="1800" dirty="0">
-                <a:solidFill>
-                  <a:srgbClr val="004169"/>
-                </a:solidFill>
-              </a:rPr>
-              <a:t>and Anomaly Detection</a:t>
+              <a:t>Clustering and Anomaly Detection</a:t>
             </a:r>
             <a:endParaRPr sz="1800" i="1" dirty="0">
               <a:solidFill>
@@ -26432,7 +26448,7 @@
         </p:nvSpPr>
         <p:spPr>
           <a:xfrm>
-            <a:off x="609600" y="226525"/>
+            <a:off x="672416" y="288071"/>
             <a:ext cx="11269200" cy="646200"/>
           </a:xfrm>
           <a:prstGeom prst="rect">
@@ -26472,7 +26488,7 @@
                   <a:srgbClr val="014169"/>
                 </a:solidFill>
               </a:rPr>
-              <a:t>Товч тайлбар</a:t>
+              <a:t>Машин сургалт</a:t>
             </a:r>
             <a:endParaRPr sz="3000" b="1" dirty="0">
               <a:solidFill>
@@ -32693,10 +32709,6 @@
               <a:rPr lang="mn-MN" sz="2000" dirty="0"/>
               <a:t>. </a:t>
             </a:r>
-            <a:r>
-              <a:rPr lang="mn-MN" sz="2000" dirty="0"/>
-              <a:t/>
-            </a:r>
             <a:br>
               <a:rPr lang="mn-MN" sz="2000" dirty="0"/>
             </a:br>
@@ -32756,10 +32768,6 @@
             <a:r>
               <a:rPr lang="mn-MN" sz="2000" dirty="0"/>
               <a:t>хувьсган өөрчлөх чадвартай программууд хийж болно. </a:t>
-            </a:r>
-            <a:r>
-              <a:rPr lang="mn-MN" sz="2000" dirty="0"/>
-              <a:t/>
             </a:r>
             <a:br>
               <a:rPr lang="mn-MN" sz="2000" dirty="0"/>
@@ -33265,11 +33273,7 @@
             </a:r>
             <a:r>
               <a:rPr lang="mn-MN" sz="1800" dirty="0"/>
-              <a:t>  </a:t>
-            </a:r>
-            <a:r>
-              <a:rPr lang="mn-MN" sz="1800" dirty="0"/>
-              <a:t>Б</a:t>
+              <a:t>  Б</a:t>
             </a:r>
             <a:r>
               <a:rPr lang="mn-MN" sz="1800" dirty="0" smtClean="0"/>
